--- a/ppt/20250621组会.pptx
+++ b/ppt/20250621组会.pptx
@@ -6,11 +6,14 @@
   </p:sldMasterIdLst>
   <p:sldIdLst>
     <p:sldId id="256" r:id="rId2"/>
-    <p:sldId id="257" r:id="rId3"/>
-    <p:sldId id="260" r:id="rId4"/>
-    <p:sldId id="259" r:id="rId5"/>
-    <p:sldId id="258" r:id="rId6"/>
-    <p:sldId id="261" r:id="rId7"/>
+    <p:sldId id="265" r:id="rId3"/>
+    <p:sldId id="259" r:id="rId4"/>
+    <p:sldId id="257" r:id="rId5"/>
+    <p:sldId id="261" r:id="rId6"/>
+    <p:sldId id="260" r:id="rId7"/>
+    <p:sldId id="258" r:id="rId8"/>
+    <p:sldId id="263" r:id="rId9"/>
+    <p:sldId id="262" r:id="rId10"/>
   </p:sldIdLst>
   <p:sldSz cx="12192000" cy="6858000"/>
   <p:notesSz cx="6858000" cy="9144000"/>
@@ -109,6 +112,11 @@
       </a:defRPr>
     </a:lvl9pPr>
   </p:defaultTextStyle>
+  <p:extLst>
+    <p:ext uri="{EFAFB233-063F-42B5-8137-9DF3F51BA10A}">
+      <p15:sldGuideLst xmlns:p15="http://schemas.microsoft.com/office/powerpoint/2012/main"/>
+    </p:ext>
+  </p:extLst>
 </p:presentation>
 </file>
 
@@ -259,7 +267,7 @@
           <a:p>
             <a:fld id="{EAB2ECFC-D578-421E-BB46-F659462E0CBB}" type="datetimeFigureOut">
               <a:rPr lang="zh-CN" altLang="en-US" smtClean="0"/>
-              <a:t>2025/6/19</a:t>
+              <a:t>2025/6/20</a:t>
             </a:fld>
             <a:endParaRPr lang="zh-CN" altLang="en-US"/>
           </a:p>
@@ -457,7 +465,7 @@
           <a:p>
             <a:fld id="{EAB2ECFC-D578-421E-BB46-F659462E0CBB}" type="datetimeFigureOut">
               <a:rPr lang="zh-CN" altLang="en-US" smtClean="0"/>
-              <a:t>2025/6/19</a:t>
+              <a:t>2025/6/20</a:t>
             </a:fld>
             <a:endParaRPr lang="zh-CN" altLang="en-US"/>
           </a:p>
@@ -665,7 +673,7 @@
           <a:p>
             <a:fld id="{EAB2ECFC-D578-421E-BB46-F659462E0CBB}" type="datetimeFigureOut">
               <a:rPr lang="zh-CN" altLang="en-US" smtClean="0"/>
-              <a:t>2025/6/19</a:t>
+              <a:t>2025/6/20</a:t>
             </a:fld>
             <a:endParaRPr lang="zh-CN" altLang="en-US"/>
           </a:p>
@@ -863,7 +871,7 @@
           <a:p>
             <a:fld id="{EAB2ECFC-D578-421E-BB46-F659462E0CBB}" type="datetimeFigureOut">
               <a:rPr lang="zh-CN" altLang="en-US" smtClean="0"/>
-              <a:t>2025/6/19</a:t>
+              <a:t>2025/6/20</a:t>
             </a:fld>
             <a:endParaRPr lang="zh-CN" altLang="en-US"/>
           </a:p>
@@ -1138,7 +1146,7 @@
           <a:p>
             <a:fld id="{EAB2ECFC-D578-421E-BB46-F659462E0CBB}" type="datetimeFigureOut">
               <a:rPr lang="zh-CN" altLang="en-US" smtClean="0"/>
-              <a:t>2025/6/19</a:t>
+              <a:t>2025/6/20</a:t>
             </a:fld>
             <a:endParaRPr lang="zh-CN" altLang="en-US"/>
           </a:p>
@@ -1403,7 +1411,7 @@
           <a:p>
             <a:fld id="{EAB2ECFC-D578-421E-BB46-F659462E0CBB}" type="datetimeFigureOut">
               <a:rPr lang="zh-CN" altLang="en-US" smtClean="0"/>
-              <a:t>2025/6/19</a:t>
+              <a:t>2025/6/20</a:t>
             </a:fld>
             <a:endParaRPr lang="zh-CN" altLang="en-US"/>
           </a:p>
@@ -1815,7 +1823,7 @@
           <a:p>
             <a:fld id="{EAB2ECFC-D578-421E-BB46-F659462E0CBB}" type="datetimeFigureOut">
               <a:rPr lang="zh-CN" altLang="en-US" smtClean="0"/>
-              <a:t>2025/6/19</a:t>
+              <a:t>2025/6/20</a:t>
             </a:fld>
             <a:endParaRPr lang="zh-CN" altLang="en-US"/>
           </a:p>
@@ -1956,7 +1964,7 @@
           <a:p>
             <a:fld id="{EAB2ECFC-D578-421E-BB46-F659462E0CBB}" type="datetimeFigureOut">
               <a:rPr lang="zh-CN" altLang="en-US" smtClean="0"/>
-              <a:t>2025/6/19</a:t>
+              <a:t>2025/6/20</a:t>
             </a:fld>
             <a:endParaRPr lang="zh-CN" altLang="en-US"/>
           </a:p>
@@ -2069,7 +2077,7 @@
           <a:p>
             <a:fld id="{EAB2ECFC-D578-421E-BB46-F659462E0CBB}" type="datetimeFigureOut">
               <a:rPr lang="zh-CN" altLang="en-US" smtClean="0"/>
-              <a:t>2025/6/19</a:t>
+              <a:t>2025/6/20</a:t>
             </a:fld>
             <a:endParaRPr lang="zh-CN" altLang="en-US"/>
           </a:p>
@@ -2380,7 +2388,7 @@
           <a:p>
             <a:fld id="{EAB2ECFC-D578-421E-BB46-F659462E0CBB}" type="datetimeFigureOut">
               <a:rPr lang="zh-CN" altLang="en-US" smtClean="0"/>
-              <a:t>2025/6/19</a:t>
+              <a:t>2025/6/20</a:t>
             </a:fld>
             <a:endParaRPr lang="zh-CN" altLang="en-US"/>
           </a:p>
@@ -2668,7 +2676,7 @@
           <a:p>
             <a:fld id="{EAB2ECFC-D578-421E-BB46-F659462E0CBB}" type="datetimeFigureOut">
               <a:rPr lang="zh-CN" altLang="en-US" smtClean="0"/>
-              <a:t>2025/6/19</a:t>
+              <a:t>2025/6/20</a:t>
             </a:fld>
             <a:endParaRPr lang="zh-CN" altLang="en-US"/>
           </a:p>
@@ -2909,7 +2917,7 @@
           <a:p>
             <a:fld id="{EAB2ECFC-D578-421E-BB46-F659462E0CBB}" type="datetimeFigureOut">
               <a:rPr lang="zh-CN" altLang="en-US" smtClean="0"/>
-              <a:t>2025/6/19</a:t>
+              <a:t>2025/6/20</a:t>
             </a:fld>
             <a:endParaRPr lang="zh-CN" altLang="en-US"/>
           </a:p>
@@ -3326,6 +3334,114 @@
           <a:chExt cx="0" cy="0"/>
         </a:xfrm>
       </p:grpSpPr>
+      <p:sp>
+        <p:nvSpPr>
+          <p:cNvPr id="2" name="文本框 1">
+            <a:extLst>
+              <a:ext uri="{FF2B5EF4-FFF2-40B4-BE49-F238E27FC236}">
+                <a16:creationId xmlns:a16="http://schemas.microsoft.com/office/drawing/2014/main" id="{BA84E804-03EF-4AB6-A2E3-5BC4228A1765}"/>
+              </a:ext>
+            </a:extLst>
+          </p:cNvPr>
+          <p:cNvSpPr txBox="1"/>
+          <p:nvPr/>
+        </p:nvSpPr>
+        <p:spPr>
+          <a:xfrm>
+            <a:off x="1929130" y="1794917"/>
+            <a:ext cx="8333740" cy="1754326"/>
+          </a:xfrm>
+          <a:prstGeom prst="rect">
+            <a:avLst/>
+          </a:prstGeom>
+          <a:noFill/>
+        </p:spPr>
+        <p:txBody>
+          <a:bodyPr wrap="square" rtlCol="0">
+            <a:spAutoFit/>
+          </a:bodyPr>
+          <a:lstStyle/>
+          <a:p>
+            <a:pPr algn="ctr"/>
+            <a:r>
+              <a:rPr lang="en-US" altLang="zh-CN" sz="5400" b="1" dirty="0"/>
+              <a:t>37</a:t>
+            </a:r>
+            <a:r>
+              <a:rPr lang="zh-CN" altLang="en-US" sz="5400" b="1" dirty="0"/>
+              <a:t>只鸭子的肠道微生物的宏基因组</a:t>
+            </a:r>
+            <a:r>
+              <a:rPr lang="en-US" altLang="zh-CN" sz="5400" b="1" dirty="0"/>
+              <a:t>SV</a:t>
+            </a:r>
+            <a:r>
+              <a:rPr lang="zh-CN" altLang="en-US" sz="5400" b="1" dirty="0"/>
+              <a:t>分析</a:t>
+            </a:r>
+          </a:p>
+        </p:txBody>
+      </p:sp>
+      <p:sp>
+        <p:nvSpPr>
+          <p:cNvPr id="3" name="文本框 2">
+            <a:extLst>
+              <a:ext uri="{FF2B5EF4-FFF2-40B4-BE49-F238E27FC236}">
+                <a16:creationId xmlns:a16="http://schemas.microsoft.com/office/drawing/2014/main" id="{FACF7D70-D1FA-4E0E-999E-55843EDF4BBC}"/>
+              </a:ext>
+            </a:extLst>
+          </p:cNvPr>
+          <p:cNvSpPr txBox="1"/>
+          <p:nvPr/>
+        </p:nvSpPr>
+        <p:spPr>
+          <a:xfrm>
+            <a:off x="2753360" y="4612640"/>
+            <a:ext cx="6685280" cy="461665"/>
+          </a:xfrm>
+          <a:prstGeom prst="rect">
+            <a:avLst/>
+          </a:prstGeom>
+          <a:noFill/>
+        </p:spPr>
+        <p:txBody>
+          <a:bodyPr wrap="square" rtlCol="0">
+            <a:spAutoFit/>
+          </a:bodyPr>
+          <a:lstStyle/>
+          <a:p>
+            <a:pPr algn="ctr"/>
+            <a:r>
+              <a:rPr lang="zh-CN" altLang="en-US" sz="2400" dirty="0"/>
+              <a:t>汇报人：胡迪         时间</a:t>
+            </a:r>
+            <a:r>
+              <a:rPr lang="en-US" altLang="zh-CN" sz="2400" dirty="0"/>
+              <a:t>2025</a:t>
+            </a:r>
+            <a:r>
+              <a:rPr lang="zh-CN" altLang="en-US" sz="2400" dirty="0"/>
+              <a:t>年</a:t>
+            </a:r>
+            <a:r>
+              <a:rPr lang="en-US" altLang="zh-CN" sz="2400" dirty="0"/>
+              <a:t>6</a:t>
+            </a:r>
+            <a:r>
+              <a:rPr lang="zh-CN" altLang="en-US" sz="2400" dirty="0"/>
+              <a:t>月</a:t>
+            </a:r>
+            <a:r>
+              <a:rPr lang="en-US" altLang="zh-CN" sz="2400" dirty="0"/>
+              <a:t>21</a:t>
+            </a:r>
+            <a:r>
+              <a:rPr lang="zh-CN" altLang="en-US" sz="2400" dirty="0"/>
+              <a:t>日</a:t>
+            </a:r>
+          </a:p>
+        </p:txBody>
+      </p:sp>
     </p:spTree>
     <p:extLst>
       <p:ext uri="{BB962C8B-B14F-4D97-AF65-F5344CB8AC3E}">
@@ -3356,6 +3472,881 @@
           <a:chExt cx="0" cy="0"/>
         </a:xfrm>
       </p:grpSpPr>
+      <p:sp>
+        <p:nvSpPr>
+          <p:cNvPr id="3" name="文本框 2">
+            <a:extLst>
+              <a:ext uri="{FF2B5EF4-FFF2-40B4-BE49-F238E27FC236}">
+                <a16:creationId xmlns:a16="http://schemas.microsoft.com/office/drawing/2014/main" id="{87429028-AA7C-4AF5-AAC2-32362E593C46}"/>
+              </a:ext>
+            </a:extLst>
+          </p:cNvPr>
+          <p:cNvSpPr txBox="1"/>
+          <p:nvPr/>
+        </p:nvSpPr>
+        <p:spPr>
+          <a:xfrm>
+            <a:off x="919480" y="379214"/>
+            <a:ext cx="10353040" cy="707886"/>
+          </a:xfrm>
+          <a:prstGeom prst="rect">
+            <a:avLst/>
+          </a:prstGeom>
+          <a:noFill/>
+        </p:spPr>
+        <p:txBody>
+          <a:bodyPr wrap="square">
+            <a:spAutoFit/>
+          </a:bodyPr>
+          <a:lstStyle/>
+          <a:p>
+            <a:r>
+              <a:rPr lang="zh-CN" altLang="en-US" sz="4000" b="1" dirty="0">
+                <a:latin typeface="Times New Roman" panose="02020603050405020304" pitchFamily="18" charset="0"/>
+                <a:ea typeface="宋体" panose="02010600030101010101" pitchFamily="2" charset="-122"/>
+                <a:cs typeface="Times New Roman" panose="02020603050405020304" pitchFamily="18" charset="0"/>
+              </a:rPr>
+              <a:t>结构变异（</a:t>
+            </a:r>
+            <a:r>
+              <a:rPr lang="en-US" altLang="zh-CN" sz="4000" b="1" dirty="0">
+                <a:latin typeface="Times New Roman" panose="02020603050405020304" pitchFamily="18" charset="0"/>
+                <a:ea typeface="宋体" panose="02010600030101010101" pitchFamily="2" charset="-122"/>
+                <a:cs typeface="Times New Roman" panose="02020603050405020304" pitchFamily="18" charset="0"/>
+              </a:rPr>
+              <a:t>Structural Variations, SVs</a:t>
+            </a:r>
+            <a:r>
+              <a:rPr lang="zh-CN" altLang="en-US" sz="4000" b="1" dirty="0">
+                <a:latin typeface="Times New Roman" panose="02020603050405020304" pitchFamily="18" charset="0"/>
+                <a:ea typeface="宋体" panose="02010600030101010101" pitchFamily="2" charset="-122"/>
+                <a:cs typeface="Times New Roman" panose="02020603050405020304" pitchFamily="18" charset="0"/>
+              </a:rPr>
+              <a:t>）简介</a:t>
+            </a:r>
+          </a:p>
+        </p:txBody>
+      </p:sp>
+      <p:sp>
+        <p:nvSpPr>
+          <p:cNvPr id="5" name="文本框 4">
+            <a:extLst>
+              <a:ext uri="{FF2B5EF4-FFF2-40B4-BE49-F238E27FC236}">
+                <a16:creationId xmlns:a16="http://schemas.microsoft.com/office/drawing/2014/main" id="{56356870-BB92-4360-A777-15756FCD2F15}"/>
+              </a:ext>
+            </a:extLst>
+          </p:cNvPr>
+          <p:cNvSpPr txBox="1"/>
+          <p:nvPr/>
+        </p:nvSpPr>
+        <p:spPr>
+          <a:xfrm>
+            <a:off x="665480" y="1681559"/>
+            <a:ext cx="10861040" cy="1384995"/>
+          </a:xfrm>
+          <a:prstGeom prst="rect">
+            <a:avLst/>
+          </a:prstGeom>
+          <a:noFill/>
+        </p:spPr>
+        <p:txBody>
+          <a:bodyPr wrap="square">
+            <a:spAutoFit/>
+          </a:bodyPr>
+          <a:lstStyle/>
+          <a:p>
+            <a:r>
+              <a:rPr lang="en-US" altLang="zh-CN" sz="2800" b="1" dirty="0">
+                <a:latin typeface="Times New Roman" panose="02020603050405020304" pitchFamily="18" charset="0"/>
+                <a:ea typeface="宋体" panose="02010600030101010101" pitchFamily="2" charset="-122"/>
+                <a:cs typeface="Times New Roman" panose="02020603050405020304" pitchFamily="18" charset="0"/>
+              </a:rPr>
+              <a:t>1.</a:t>
+            </a:r>
+            <a:r>
+              <a:rPr lang="zh-CN" altLang="en-US" sz="2800" b="1" dirty="0">
+                <a:latin typeface="Times New Roman" panose="02020603050405020304" pitchFamily="18" charset="0"/>
+                <a:ea typeface="宋体" panose="02010600030101010101" pitchFamily="2" charset="-122"/>
+                <a:cs typeface="Times New Roman" panose="02020603050405020304" pitchFamily="18" charset="0"/>
+              </a:rPr>
+              <a:t>定义</a:t>
+            </a:r>
+          </a:p>
+          <a:p>
+            <a:r>
+              <a:rPr lang="zh-CN" altLang="en-US" sz="2800" dirty="0">
+                <a:latin typeface="Times New Roman" panose="02020603050405020304" pitchFamily="18" charset="0"/>
+                <a:ea typeface="宋体" panose="02010600030101010101" pitchFamily="2" charset="-122"/>
+                <a:cs typeface="Times New Roman" panose="02020603050405020304" pitchFamily="18" charset="0"/>
+              </a:rPr>
+              <a:t>结构变异是指基因组中长度大于</a:t>
+            </a:r>
+            <a:r>
+              <a:rPr lang="en-US" altLang="zh-CN" sz="2800" dirty="0">
+                <a:latin typeface="Times New Roman" panose="02020603050405020304" pitchFamily="18" charset="0"/>
+                <a:ea typeface="宋体" panose="02010600030101010101" pitchFamily="2" charset="-122"/>
+                <a:cs typeface="Times New Roman" panose="02020603050405020304" pitchFamily="18" charset="0"/>
+              </a:rPr>
+              <a:t>50 bp</a:t>
+            </a:r>
+            <a:r>
+              <a:rPr lang="zh-CN" altLang="en-US" sz="2800" dirty="0">
+                <a:latin typeface="Times New Roman" panose="02020603050405020304" pitchFamily="18" charset="0"/>
+                <a:ea typeface="宋体" panose="02010600030101010101" pitchFamily="2" charset="-122"/>
+                <a:cs typeface="Times New Roman" panose="02020603050405020304" pitchFamily="18" charset="0"/>
+              </a:rPr>
+              <a:t>的</a:t>
+            </a:r>
+            <a:r>
+              <a:rPr lang="en-US" altLang="zh-CN" sz="2800" dirty="0">
+                <a:latin typeface="Times New Roman" panose="02020603050405020304" pitchFamily="18" charset="0"/>
+                <a:ea typeface="宋体" panose="02010600030101010101" pitchFamily="2" charset="-122"/>
+                <a:cs typeface="Times New Roman" panose="02020603050405020304" pitchFamily="18" charset="0"/>
+              </a:rPr>
+              <a:t>DNA</a:t>
+            </a:r>
+            <a:r>
+              <a:rPr lang="zh-CN" altLang="en-US" sz="2800" dirty="0">
+                <a:latin typeface="Times New Roman" panose="02020603050405020304" pitchFamily="18" charset="0"/>
+                <a:ea typeface="宋体" panose="02010600030101010101" pitchFamily="2" charset="-122"/>
+                <a:cs typeface="Times New Roman" panose="02020603050405020304" pitchFamily="18" charset="0"/>
+              </a:rPr>
+              <a:t>片段在结构上的改变，广泛存在于原核生物与真核生物中。</a:t>
+            </a:r>
+          </a:p>
+        </p:txBody>
+      </p:sp>
+      <p:sp>
+        <p:nvSpPr>
+          <p:cNvPr id="9" name="文本框 8">
+            <a:extLst>
+              <a:ext uri="{FF2B5EF4-FFF2-40B4-BE49-F238E27FC236}">
+                <a16:creationId xmlns:a16="http://schemas.microsoft.com/office/drawing/2014/main" id="{CD85ED51-3027-4A7A-A67C-DB175B51B70F}"/>
+              </a:ext>
+            </a:extLst>
+          </p:cNvPr>
+          <p:cNvSpPr txBox="1"/>
+          <p:nvPr/>
+        </p:nvSpPr>
+        <p:spPr>
+          <a:xfrm>
+            <a:off x="665480" y="4609347"/>
+            <a:ext cx="2565400" cy="523220"/>
+          </a:xfrm>
+          <a:prstGeom prst="rect">
+            <a:avLst/>
+          </a:prstGeom>
+          <a:noFill/>
+        </p:spPr>
+        <p:txBody>
+          <a:bodyPr wrap="square">
+            <a:spAutoFit/>
+          </a:bodyPr>
+          <a:lstStyle/>
+          <a:p>
+            <a:r>
+              <a:rPr lang="en-US" altLang="zh-CN" sz="2800" b="1" dirty="0">
+                <a:latin typeface="Times New Roman" panose="02020603050405020304" pitchFamily="18" charset="0"/>
+                <a:ea typeface="宋体" panose="02010600030101010101" pitchFamily="2" charset="-122"/>
+                <a:cs typeface="Times New Roman" panose="02020603050405020304" pitchFamily="18" charset="0"/>
+              </a:rPr>
+              <a:t>2.</a:t>
+            </a:r>
+            <a:r>
+              <a:rPr lang="zh-CN" altLang="en-US" sz="2800" b="1" dirty="0">
+                <a:latin typeface="Times New Roman" panose="02020603050405020304" pitchFamily="18" charset="0"/>
+                <a:ea typeface="宋体" panose="02010600030101010101" pitchFamily="2" charset="-122"/>
+                <a:cs typeface="Times New Roman" panose="02020603050405020304" pitchFamily="18" charset="0"/>
+              </a:rPr>
+              <a:t>主要类型</a:t>
+            </a:r>
+          </a:p>
+        </p:txBody>
+      </p:sp>
+      <p:graphicFrame>
+        <p:nvGraphicFramePr>
+          <p:cNvPr id="10" name="表格 9">
+            <a:extLst>
+              <a:ext uri="{FF2B5EF4-FFF2-40B4-BE49-F238E27FC236}">
+                <a16:creationId xmlns:a16="http://schemas.microsoft.com/office/drawing/2014/main" id="{7D56CDD7-0168-41ED-9820-476F13E14DBB}"/>
+              </a:ext>
+            </a:extLst>
+          </p:cNvPr>
+          <p:cNvGraphicFramePr>
+            <a:graphicFrameLocks noGrp="1"/>
+          </p:cNvGraphicFramePr>
+          <p:nvPr>
+            <p:extLst>
+              <p:ext uri="{D42A27DB-BD31-4B8C-83A1-F6EECF244321}">
+                <p14:modId xmlns:p14="http://schemas.microsoft.com/office/powerpoint/2010/main" val="1362904496"/>
+              </p:ext>
+            </p:extLst>
+          </p:nvPr>
+        </p:nvGraphicFramePr>
+        <p:xfrm>
+          <a:off x="3342640" y="3682237"/>
+          <a:ext cx="8260080" cy="2773680"/>
+        </p:xfrm>
+        <a:graphic>
+          <a:graphicData uri="http://schemas.openxmlformats.org/drawingml/2006/table">
+            <a:tbl>
+              <a:tblPr/>
+              <a:tblGrid>
+                <a:gridCol w="3107003">
+                  <a:extLst>
+                    <a:ext uri="{9D8B030D-6E8A-4147-A177-3AD203B41FA5}">
+                      <a16:colId xmlns:a16="http://schemas.microsoft.com/office/drawing/2014/main" val="2332693013"/>
+                    </a:ext>
+                  </a:extLst>
+                </a:gridCol>
+                <a:gridCol w="5153077">
+                  <a:extLst>
+                    <a:ext uri="{9D8B030D-6E8A-4147-A177-3AD203B41FA5}">
+                      <a16:colId xmlns:a16="http://schemas.microsoft.com/office/drawing/2014/main" val="1107875811"/>
+                    </a:ext>
+                  </a:extLst>
+                </a:gridCol>
+              </a:tblGrid>
+              <a:tr h="363518">
+                <a:tc>
+                  <a:txBody>
+                    <a:bodyPr/>
+                    <a:lstStyle/>
+                    <a:p>
+                      <a:pPr algn="ctr"/>
+                      <a:r>
+                        <a:rPr lang="zh-CN" altLang="en-US" b="1" dirty="0">
+                          <a:latin typeface="Times New Roman" panose="02020603050405020304" pitchFamily="18" charset="0"/>
+                          <a:ea typeface="宋体" panose="02010600030101010101" pitchFamily="2" charset="-122"/>
+                          <a:cs typeface="Times New Roman" panose="02020603050405020304" pitchFamily="18" charset="0"/>
+                        </a:rPr>
+                        <a:t>类型</a:t>
+                      </a:r>
+                    </a:p>
+                  </a:txBody>
+                  <a:tcPr anchor="ctr">
+                    <a:lnL>
+                      <a:noFill/>
+                    </a:lnL>
+                    <a:lnR>
+                      <a:noFill/>
+                    </a:lnR>
+                    <a:lnT w="12700" cap="flat" cmpd="sng" algn="ctr">
+                      <a:solidFill>
+                        <a:schemeClr val="tx1"/>
+                      </a:solidFill>
+                      <a:prstDash val="solid"/>
+                      <a:round/>
+                      <a:headEnd type="none" w="med" len="med"/>
+                      <a:tailEnd type="none" w="med" len="med"/>
+                    </a:lnT>
+                    <a:lnB w="12700" cap="flat" cmpd="sng" algn="ctr">
+                      <a:solidFill>
+                        <a:schemeClr val="tx1"/>
+                      </a:solidFill>
+                      <a:prstDash val="solid"/>
+                      <a:round/>
+                      <a:headEnd type="none" w="med" len="med"/>
+                      <a:tailEnd type="none" w="med" len="med"/>
+                    </a:lnB>
+                  </a:tcPr>
+                </a:tc>
+                <a:tc>
+                  <a:txBody>
+                    <a:bodyPr/>
+                    <a:lstStyle/>
+                    <a:p>
+                      <a:pPr algn="ctr"/>
+                      <a:r>
+                        <a:rPr lang="zh-CN" altLang="en-US" sz="2000" b="1" dirty="0">
+                          <a:latin typeface="Times New Roman" panose="02020603050405020304" pitchFamily="18" charset="0"/>
+                          <a:ea typeface="宋体" panose="02010600030101010101" pitchFamily="2" charset="-122"/>
+                          <a:cs typeface="Times New Roman" panose="02020603050405020304" pitchFamily="18" charset="0"/>
+                        </a:rPr>
+                        <a:t>描述</a:t>
+                      </a:r>
+                    </a:p>
+                  </a:txBody>
+                  <a:tcPr anchor="ctr">
+                    <a:lnL>
+                      <a:noFill/>
+                    </a:lnL>
+                    <a:lnR>
+                      <a:noFill/>
+                    </a:lnR>
+                    <a:lnT w="12700" cap="flat" cmpd="sng" algn="ctr">
+                      <a:solidFill>
+                        <a:schemeClr val="tx1"/>
+                      </a:solidFill>
+                      <a:prstDash val="solid"/>
+                      <a:round/>
+                      <a:headEnd type="none" w="med" len="med"/>
+                      <a:tailEnd type="none" w="med" len="med"/>
+                    </a:lnT>
+                    <a:lnB w="12700" cap="flat" cmpd="sng" algn="ctr">
+                      <a:solidFill>
+                        <a:schemeClr val="tx1"/>
+                      </a:solidFill>
+                      <a:prstDash val="solid"/>
+                      <a:round/>
+                      <a:headEnd type="none" w="med" len="med"/>
+                      <a:tailEnd type="none" w="med" len="med"/>
+                    </a:lnB>
+                  </a:tcPr>
+                </a:tc>
+                <a:extLst>
+                  <a:ext uri="{0D108BD9-81ED-4DB2-BD59-A6C34878D82A}">
+                    <a16:rowId xmlns:a16="http://schemas.microsoft.com/office/drawing/2014/main" val="3296589990"/>
+                  </a:ext>
+                </a:extLst>
+              </a:tr>
+              <a:tr h="363518">
+                <a:tc>
+                  <a:txBody>
+                    <a:bodyPr/>
+                    <a:lstStyle/>
+                    <a:p>
+                      <a:pPr algn="ctr"/>
+                      <a:r>
+                        <a:rPr lang="en-US" sz="2000" b="0" dirty="0">
+                          <a:latin typeface="Times New Roman" panose="02020603050405020304" pitchFamily="18" charset="0"/>
+                          <a:ea typeface="宋体" panose="02010600030101010101" pitchFamily="2" charset="-122"/>
+                          <a:cs typeface="Times New Roman" panose="02020603050405020304" pitchFamily="18" charset="0"/>
+                        </a:rPr>
+                        <a:t>Deletion</a:t>
+                      </a:r>
+                    </a:p>
+                  </a:txBody>
+                  <a:tcPr anchor="ctr">
+                    <a:lnL>
+                      <a:noFill/>
+                    </a:lnL>
+                    <a:lnR>
+                      <a:noFill/>
+                    </a:lnR>
+                    <a:lnT w="12700" cap="flat" cmpd="sng" algn="ctr">
+                      <a:solidFill>
+                        <a:schemeClr val="tx1"/>
+                      </a:solidFill>
+                      <a:prstDash val="solid"/>
+                      <a:round/>
+                      <a:headEnd type="none" w="med" len="med"/>
+                      <a:tailEnd type="none" w="med" len="med"/>
+                    </a:lnT>
+                    <a:lnB>
+                      <a:noFill/>
+                    </a:lnB>
+                  </a:tcPr>
+                </a:tc>
+                <a:tc>
+                  <a:txBody>
+                    <a:bodyPr/>
+                    <a:lstStyle/>
+                    <a:p>
+                      <a:pPr algn="ctr"/>
+                      <a:r>
+                        <a:rPr lang="zh-CN" altLang="en-US" sz="2000" b="0" dirty="0">
+                          <a:latin typeface="Times New Roman" panose="02020603050405020304" pitchFamily="18" charset="0"/>
+                          <a:ea typeface="宋体" panose="02010600030101010101" pitchFamily="2" charset="-122"/>
+                          <a:cs typeface="Times New Roman" panose="02020603050405020304" pitchFamily="18" charset="0"/>
+                        </a:rPr>
+                        <a:t>某一片段缺失</a:t>
+                      </a:r>
+                    </a:p>
+                  </a:txBody>
+                  <a:tcPr anchor="ctr">
+                    <a:lnL>
+                      <a:noFill/>
+                    </a:lnL>
+                    <a:lnR>
+                      <a:noFill/>
+                    </a:lnR>
+                    <a:lnT w="12700" cap="flat" cmpd="sng" algn="ctr">
+                      <a:solidFill>
+                        <a:schemeClr val="tx1"/>
+                      </a:solidFill>
+                      <a:prstDash val="solid"/>
+                      <a:round/>
+                      <a:headEnd type="none" w="med" len="med"/>
+                      <a:tailEnd type="none" w="med" len="med"/>
+                    </a:lnT>
+                    <a:lnB>
+                      <a:noFill/>
+                    </a:lnB>
+                  </a:tcPr>
+                </a:tc>
+                <a:extLst>
+                  <a:ext uri="{0D108BD9-81ED-4DB2-BD59-A6C34878D82A}">
+                    <a16:rowId xmlns:a16="http://schemas.microsoft.com/office/drawing/2014/main" val="562637946"/>
+                  </a:ext>
+                </a:extLst>
+              </a:tr>
+              <a:tr h="363518">
+                <a:tc>
+                  <a:txBody>
+                    <a:bodyPr/>
+                    <a:lstStyle/>
+                    <a:p>
+                      <a:pPr algn="ctr"/>
+                      <a:r>
+                        <a:rPr lang="en-US" sz="2000" b="0" dirty="0">
+                          <a:latin typeface="Times New Roman" panose="02020603050405020304" pitchFamily="18" charset="0"/>
+                          <a:ea typeface="宋体" panose="02010600030101010101" pitchFamily="2" charset="-122"/>
+                          <a:cs typeface="Times New Roman" panose="02020603050405020304" pitchFamily="18" charset="0"/>
+                        </a:rPr>
+                        <a:t>Insertion</a:t>
+                      </a:r>
+                    </a:p>
+                  </a:txBody>
+                  <a:tcPr anchor="ctr">
+                    <a:lnL>
+                      <a:noFill/>
+                    </a:lnL>
+                    <a:lnR>
+                      <a:noFill/>
+                    </a:lnR>
+                    <a:lnT>
+                      <a:noFill/>
+                    </a:lnT>
+                    <a:lnB>
+                      <a:noFill/>
+                    </a:lnB>
+                  </a:tcPr>
+                </a:tc>
+                <a:tc>
+                  <a:txBody>
+                    <a:bodyPr/>
+                    <a:lstStyle/>
+                    <a:p>
+                      <a:pPr algn="ctr"/>
+                      <a:r>
+                        <a:rPr lang="zh-CN" altLang="en-US" sz="2000" b="0" dirty="0">
+                          <a:latin typeface="Times New Roman" panose="02020603050405020304" pitchFamily="18" charset="0"/>
+                          <a:ea typeface="宋体" panose="02010600030101010101" pitchFamily="2" charset="-122"/>
+                          <a:cs typeface="Times New Roman" panose="02020603050405020304" pitchFamily="18" charset="0"/>
+                        </a:rPr>
+                        <a:t>插入新的片段</a:t>
+                      </a:r>
+                    </a:p>
+                  </a:txBody>
+                  <a:tcPr anchor="ctr">
+                    <a:lnL>
+                      <a:noFill/>
+                    </a:lnL>
+                    <a:lnR>
+                      <a:noFill/>
+                    </a:lnR>
+                    <a:lnT>
+                      <a:noFill/>
+                    </a:lnT>
+                    <a:lnB>
+                      <a:noFill/>
+                    </a:lnB>
+                  </a:tcPr>
+                </a:tc>
+                <a:extLst>
+                  <a:ext uri="{0D108BD9-81ED-4DB2-BD59-A6C34878D82A}">
+                    <a16:rowId xmlns:a16="http://schemas.microsoft.com/office/drawing/2014/main" val="4290149971"/>
+                  </a:ext>
+                </a:extLst>
+              </a:tr>
+              <a:tr h="363518">
+                <a:tc>
+                  <a:txBody>
+                    <a:bodyPr/>
+                    <a:lstStyle/>
+                    <a:p>
+                      <a:pPr algn="ctr"/>
+                      <a:r>
+                        <a:rPr lang="en-US" sz="2000" b="0" dirty="0">
+                          <a:latin typeface="Times New Roman" panose="02020603050405020304" pitchFamily="18" charset="0"/>
+                          <a:ea typeface="宋体" panose="02010600030101010101" pitchFamily="2" charset="-122"/>
+                          <a:cs typeface="Times New Roman" panose="02020603050405020304" pitchFamily="18" charset="0"/>
+                        </a:rPr>
+                        <a:t>Duplication</a:t>
+                      </a:r>
+                    </a:p>
+                  </a:txBody>
+                  <a:tcPr anchor="ctr">
+                    <a:lnL>
+                      <a:noFill/>
+                    </a:lnL>
+                    <a:lnR>
+                      <a:noFill/>
+                    </a:lnR>
+                    <a:lnT>
+                      <a:noFill/>
+                    </a:lnT>
+                    <a:lnB>
+                      <a:noFill/>
+                    </a:lnB>
+                  </a:tcPr>
+                </a:tc>
+                <a:tc>
+                  <a:txBody>
+                    <a:bodyPr/>
+                    <a:lstStyle/>
+                    <a:p>
+                      <a:pPr algn="ctr"/>
+                      <a:r>
+                        <a:rPr lang="zh-CN" altLang="en-US" sz="2000" b="0" dirty="0">
+                          <a:latin typeface="Times New Roman" panose="02020603050405020304" pitchFamily="18" charset="0"/>
+                          <a:ea typeface="宋体" panose="02010600030101010101" pitchFamily="2" charset="-122"/>
+                          <a:cs typeface="Times New Roman" panose="02020603050405020304" pitchFamily="18" charset="0"/>
+                        </a:rPr>
+                        <a:t>某片段重复一次或多次</a:t>
+                      </a:r>
+                    </a:p>
+                  </a:txBody>
+                  <a:tcPr anchor="ctr">
+                    <a:lnL>
+                      <a:noFill/>
+                    </a:lnL>
+                    <a:lnR>
+                      <a:noFill/>
+                    </a:lnR>
+                    <a:lnT>
+                      <a:noFill/>
+                    </a:lnT>
+                    <a:lnB>
+                      <a:noFill/>
+                    </a:lnB>
+                  </a:tcPr>
+                </a:tc>
+                <a:extLst>
+                  <a:ext uri="{0D108BD9-81ED-4DB2-BD59-A6C34878D82A}">
+                    <a16:rowId xmlns:a16="http://schemas.microsoft.com/office/drawing/2014/main" val="316318413"/>
+                  </a:ext>
+                </a:extLst>
+              </a:tr>
+              <a:tr h="363518">
+                <a:tc>
+                  <a:txBody>
+                    <a:bodyPr/>
+                    <a:lstStyle/>
+                    <a:p>
+                      <a:pPr algn="ctr"/>
+                      <a:r>
+                        <a:rPr lang="en-US" sz="2000" b="0" dirty="0">
+                          <a:latin typeface="Times New Roman" panose="02020603050405020304" pitchFamily="18" charset="0"/>
+                          <a:ea typeface="宋体" panose="02010600030101010101" pitchFamily="2" charset="-122"/>
+                          <a:cs typeface="Times New Roman" panose="02020603050405020304" pitchFamily="18" charset="0"/>
+                        </a:rPr>
+                        <a:t>Inversion</a:t>
+                      </a:r>
+                    </a:p>
+                  </a:txBody>
+                  <a:tcPr anchor="ctr">
+                    <a:lnL>
+                      <a:noFill/>
+                    </a:lnL>
+                    <a:lnR>
+                      <a:noFill/>
+                    </a:lnR>
+                    <a:lnT>
+                      <a:noFill/>
+                    </a:lnT>
+                    <a:lnB>
+                      <a:noFill/>
+                    </a:lnB>
+                  </a:tcPr>
+                </a:tc>
+                <a:tc>
+                  <a:txBody>
+                    <a:bodyPr/>
+                    <a:lstStyle/>
+                    <a:p>
+                      <a:pPr algn="ctr"/>
+                      <a:r>
+                        <a:rPr lang="zh-CN" altLang="en-US" sz="2000" b="0">
+                          <a:latin typeface="Times New Roman" panose="02020603050405020304" pitchFamily="18" charset="0"/>
+                          <a:ea typeface="宋体" panose="02010600030101010101" pitchFamily="2" charset="-122"/>
+                          <a:cs typeface="Times New Roman" panose="02020603050405020304" pitchFamily="18" charset="0"/>
+                        </a:rPr>
+                        <a:t>某片段方向发生反转</a:t>
+                      </a:r>
+                    </a:p>
+                  </a:txBody>
+                  <a:tcPr anchor="ctr">
+                    <a:lnL>
+                      <a:noFill/>
+                    </a:lnL>
+                    <a:lnR>
+                      <a:noFill/>
+                    </a:lnR>
+                    <a:lnT>
+                      <a:noFill/>
+                    </a:lnT>
+                    <a:lnB>
+                      <a:noFill/>
+                    </a:lnB>
+                  </a:tcPr>
+                </a:tc>
+                <a:extLst>
+                  <a:ext uri="{0D108BD9-81ED-4DB2-BD59-A6C34878D82A}">
+                    <a16:rowId xmlns:a16="http://schemas.microsoft.com/office/drawing/2014/main" val="3305366478"/>
+                  </a:ext>
+                </a:extLst>
+              </a:tr>
+              <a:tr h="363518">
+                <a:tc>
+                  <a:txBody>
+                    <a:bodyPr/>
+                    <a:lstStyle/>
+                    <a:p>
+                      <a:pPr algn="ctr"/>
+                      <a:r>
+                        <a:rPr lang="en-US" sz="2000" b="0">
+                          <a:latin typeface="Times New Roman" panose="02020603050405020304" pitchFamily="18" charset="0"/>
+                          <a:ea typeface="宋体" panose="02010600030101010101" pitchFamily="2" charset="-122"/>
+                          <a:cs typeface="Times New Roman" panose="02020603050405020304" pitchFamily="18" charset="0"/>
+                        </a:rPr>
+                        <a:t>Translocation</a:t>
+                      </a:r>
+                    </a:p>
+                  </a:txBody>
+                  <a:tcPr anchor="ctr">
+                    <a:lnL>
+                      <a:noFill/>
+                    </a:lnL>
+                    <a:lnR>
+                      <a:noFill/>
+                    </a:lnR>
+                    <a:lnT>
+                      <a:noFill/>
+                    </a:lnT>
+                    <a:lnB>
+                      <a:noFill/>
+                    </a:lnB>
+                  </a:tcPr>
+                </a:tc>
+                <a:tc>
+                  <a:txBody>
+                    <a:bodyPr/>
+                    <a:lstStyle/>
+                    <a:p>
+                      <a:pPr algn="ctr"/>
+                      <a:r>
+                        <a:rPr lang="zh-CN" altLang="en-US" sz="2000" b="0">
+                          <a:latin typeface="Times New Roman" panose="02020603050405020304" pitchFamily="18" charset="0"/>
+                          <a:ea typeface="宋体" panose="02010600030101010101" pitchFamily="2" charset="-122"/>
+                          <a:cs typeface="Times New Roman" panose="02020603050405020304" pitchFamily="18" charset="0"/>
+                        </a:rPr>
+                        <a:t>片段在不同位置之间发生移动（如染色体间）</a:t>
+                      </a:r>
+                    </a:p>
+                  </a:txBody>
+                  <a:tcPr anchor="ctr">
+                    <a:lnL>
+                      <a:noFill/>
+                    </a:lnL>
+                    <a:lnR>
+                      <a:noFill/>
+                    </a:lnR>
+                    <a:lnT>
+                      <a:noFill/>
+                    </a:lnT>
+                    <a:lnB>
+                      <a:noFill/>
+                    </a:lnB>
+                  </a:tcPr>
+                </a:tc>
+                <a:extLst>
+                  <a:ext uri="{0D108BD9-81ED-4DB2-BD59-A6C34878D82A}">
+                    <a16:rowId xmlns:a16="http://schemas.microsoft.com/office/drawing/2014/main" val="1135443366"/>
+                  </a:ext>
+                </a:extLst>
+              </a:tr>
+              <a:tr h="363518">
+                <a:tc>
+                  <a:txBody>
+                    <a:bodyPr/>
+                    <a:lstStyle/>
+                    <a:p>
+                      <a:pPr algn="ctr"/>
+                      <a:r>
+                        <a:rPr lang="en-US" sz="2000" b="0" dirty="0">
+                          <a:latin typeface="Times New Roman" panose="02020603050405020304" pitchFamily="18" charset="0"/>
+                          <a:ea typeface="宋体" panose="02010600030101010101" pitchFamily="2" charset="-122"/>
+                          <a:cs typeface="Times New Roman" panose="02020603050405020304" pitchFamily="18" charset="0"/>
+                        </a:rPr>
+                        <a:t>Contraction/Expansion</a:t>
+                      </a:r>
+                    </a:p>
+                  </a:txBody>
+                  <a:tcPr anchor="ctr">
+                    <a:lnL>
+                      <a:noFill/>
+                    </a:lnL>
+                    <a:lnR>
+                      <a:noFill/>
+                    </a:lnR>
+                    <a:lnT>
+                      <a:noFill/>
+                    </a:lnT>
+                    <a:lnB w="12700" cap="flat" cmpd="sng" algn="ctr">
+                      <a:solidFill>
+                        <a:schemeClr val="tx1"/>
+                      </a:solidFill>
+                      <a:prstDash val="solid"/>
+                      <a:round/>
+                      <a:headEnd type="none" w="med" len="med"/>
+                      <a:tailEnd type="none" w="med" len="med"/>
+                    </a:lnB>
+                  </a:tcPr>
+                </a:tc>
+                <a:tc>
+                  <a:txBody>
+                    <a:bodyPr/>
+                    <a:lstStyle/>
+                    <a:p>
+                      <a:pPr algn="ctr"/>
+                      <a:r>
+                        <a:rPr lang="zh-CN" altLang="en-US" sz="2000" b="0" dirty="0">
+                          <a:latin typeface="Times New Roman" panose="02020603050405020304" pitchFamily="18" charset="0"/>
+                          <a:ea typeface="宋体" panose="02010600030101010101" pitchFamily="2" charset="-122"/>
+                          <a:cs typeface="Times New Roman" panose="02020603050405020304" pitchFamily="18" charset="0"/>
+                        </a:rPr>
+                        <a:t>重复序列数量减少</a:t>
+                      </a:r>
+                      <a:r>
+                        <a:rPr lang="en-US" altLang="zh-CN" sz="2000" b="0" dirty="0">
+                          <a:latin typeface="Times New Roman" panose="02020603050405020304" pitchFamily="18" charset="0"/>
+                          <a:ea typeface="宋体" panose="02010600030101010101" pitchFamily="2" charset="-122"/>
+                          <a:cs typeface="Times New Roman" panose="02020603050405020304" pitchFamily="18" charset="0"/>
+                        </a:rPr>
+                        <a:t>/</a:t>
+                      </a:r>
+                      <a:r>
+                        <a:rPr lang="zh-CN" altLang="en-US" sz="2000" b="0" dirty="0">
+                          <a:latin typeface="Times New Roman" panose="02020603050405020304" pitchFamily="18" charset="0"/>
+                          <a:ea typeface="宋体" panose="02010600030101010101" pitchFamily="2" charset="-122"/>
+                          <a:cs typeface="Times New Roman" panose="02020603050405020304" pitchFamily="18" charset="0"/>
+                        </a:rPr>
+                        <a:t>增加</a:t>
+                      </a:r>
+                    </a:p>
+                  </a:txBody>
+                  <a:tcPr anchor="ctr">
+                    <a:lnL>
+                      <a:noFill/>
+                    </a:lnL>
+                    <a:lnR>
+                      <a:noFill/>
+                    </a:lnR>
+                    <a:lnT>
+                      <a:noFill/>
+                    </a:lnT>
+                    <a:lnB w="12700" cap="flat" cmpd="sng" algn="ctr">
+                      <a:solidFill>
+                        <a:schemeClr val="tx1"/>
+                      </a:solidFill>
+                      <a:prstDash val="solid"/>
+                      <a:round/>
+                      <a:headEnd type="none" w="med" len="med"/>
+                      <a:tailEnd type="none" w="med" len="med"/>
+                    </a:lnB>
+                  </a:tcPr>
+                </a:tc>
+                <a:extLst>
+                  <a:ext uri="{0D108BD9-81ED-4DB2-BD59-A6C34878D82A}">
+                    <a16:rowId xmlns:a16="http://schemas.microsoft.com/office/drawing/2014/main" val="3020637334"/>
+                  </a:ext>
+                </a:extLst>
+              </a:tr>
+            </a:tbl>
+          </a:graphicData>
+        </a:graphic>
+      </p:graphicFrame>
+    </p:spTree>
+    <p:extLst>
+      <p:ext uri="{BB962C8B-B14F-4D97-AF65-F5344CB8AC3E}">
+        <p14:creationId xmlns:p14="http://schemas.microsoft.com/office/powerpoint/2010/main" val="3119051706"/>
+      </p:ext>
+    </p:extLst>
+  </p:cSld>
+  <p:clrMapOvr>
+    <a:masterClrMapping/>
+  </p:clrMapOvr>
+</p:sld>
+</file>
+
+<file path=ppt/slides/slide3.xml><?xml version="1.0" encoding="utf-8"?>
+<p:sld xmlns:a="http://schemas.openxmlformats.org/drawingml/2006/main" xmlns:r="http://schemas.openxmlformats.org/officeDocument/2006/relationships" xmlns:p="http://schemas.openxmlformats.org/presentationml/2006/main">
+  <p:cSld>
+    <p:spTree>
+      <p:nvGrpSpPr>
+        <p:cNvPr id="1" name=""/>
+        <p:cNvGrpSpPr/>
+        <p:nvPr/>
+      </p:nvGrpSpPr>
+      <p:grpSpPr>
+        <a:xfrm>
+          <a:off x="0" y="0"/>
+          <a:ext cx="0" cy="0"/>
+          <a:chOff x="0" y="0"/>
+          <a:chExt cx="0" cy="0"/>
+        </a:xfrm>
+      </p:grpSpPr>
+      <p:pic>
+        <p:nvPicPr>
+          <p:cNvPr id="2" name="图片 1">
+            <a:extLst>
+              <a:ext uri="{FF2B5EF4-FFF2-40B4-BE49-F238E27FC236}">
+                <a16:creationId xmlns:a16="http://schemas.microsoft.com/office/drawing/2014/main" id="{54347E23-F7CC-4EB1-8473-A75BD75D41A2}"/>
+              </a:ext>
+            </a:extLst>
+          </p:cNvPr>
+          <p:cNvPicPr>
+            <a:picLocks noChangeAspect="1"/>
+          </p:cNvPicPr>
+          <p:nvPr/>
+        </p:nvPicPr>
+        <p:blipFill rotWithShape="1">
+          <a:blip r:embed="rId2"/>
+          <a:srcRect l="5000" t="6905" r="1162" b="805"/>
+          <a:stretch/>
+        </p:blipFill>
+        <p:spPr>
+          <a:xfrm>
+            <a:off x="2039992" y="1056640"/>
+            <a:ext cx="8112016" cy="4744720"/>
+          </a:xfrm>
+          <a:prstGeom prst="rect">
+            <a:avLst/>
+          </a:prstGeom>
+        </p:spPr>
+      </p:pic>
+    </p:spTree>
+    <p:extLst>
+      <p:ext uri="{BB962C8B-B14F-4D97-AF65-F5344CB8AC3E}">
+        <p14:creationId xmlns:p14="http://schemas.microsoft.com/office/powerpoint/2010/main" val="3578128677"/>
+      </p:ext>
+    </p:extLst>
+  </p:cSld>
+  <p:clrMapOvr>
+    <a:masterClrMapping/>
+  </p:clrMapOvr>
+</p:sld>
+</file>
+
+<file path=ppt/slides/slide4.xml><?xml version="1.0" encoding="utf-8"?>
+<p:sld xmlns:a="http://schemas.openxmlformats.org/drawingml/2006/main" xmlns:r="http://schemas.openxmlformats.org/officeDocument/2006/relationships" xmlns:p="http://schemas.openxmlformats.org/presentationml/2006/main">
+  <p:cSld>
+    <p:spTree>
+      <p:nvGrpSpPr>
+        <p:cNvPr id="1" name=""/>
+        <p:cNvGrpSpPr/>
+        <p:nvPr/>
+      </p:nvGrpSpPr>
+      <p:grpSpPr>
+        <a:xfrm>
+          <a:off x="0" y="0"/>
+          <a:ext cx="0" cy="0"/>
+          <a:chOff x="0" y="0"/>
+          <a:chExt cx="0" cy="0"/>
+        </a:xfrm>
+      </p:grpSpPr>
       <p:pic>
         <p:nvPicPr>
           <p:cNvPr id="3" name="图片 2">
@@ -3405,7 +4396,67 @@
 </p:sld>
 </file>
 
-<file path=ppt/slides/slide3.xml><?xml version="1.0" encoding="utf-8"?>
+<file path=ppt/slides/slide5.xml><?xml version="1.0" encoding="utf-8"?>
+<p:sld xmlns:a="http://schemas.openxmlformats.org/drawingml/2006/main" xmlns:r="http://schemas.openxmlformats.org/officeDocument/2006/relationships" xmlns:p="http://schemas.openxmlformats.org/presentationml/2006/main">
+  <p:cSld>
+    <p:spTree>
+      <p:nvGrpSpPr>
+        <p:cNvPr id="1" name=""/>
+        <p:cNvGrpSpPr/>
+        <p:nvPr/>
+      </p:nvGrpSpPr>
+      <p:grpSpPr>
+        <a:xfrm>
+          <a:off x="0" y="0"/>
+          <a:ext cx="0" cy="0"/>
+          <a:chOff x="0" y="0"/>
+          <a:chExt cx="0" cy="0"/>
+        </a:xfrm>
+      </p:grpSpPr>
+      <p:pic>
+        <p:nvPicPr>
+          <p:cNvPr id="3" name="图片 2">
+            <a:extLst>
+              <a:ext uri="{FF2B5EF4-FFF2-40B4-BE49-F238E27FC236}">
+                <a16:creationId xmlns:a16="http://schemas.microsoft.com/office/drawing/2014/main" id="{D3419884-00BB-407C-930C-D0A140F6CCC5}"/>
+              </a:ext>
+            </a:extLst>
+          </p:cNvPr>
+          <p:cNvPicPr>
+            <a:picLocks noChangeAspect="1"/>
+          </p:cNvPicPr>
+          <p:nvPr/>
+        </p:nvPicPr>
+        <p:blipFill>
+          <a:blip r:embed="rId2"/>
+          <a:stretch>
+            <a:fillRect/>
+          </a:stretch>
+        </p:blipFill>
+        <p:spPr>
+          <a:xfrm>
+            <a:off x="1356836" y="433216"/>
+            <a:ext cx="9478328" cy="5991568"/>
+          </a:xfrm>
+          <a:prstGeom prst="rect">
+            <a:avLst/>
+          </a:prstGeom>
+        </p:spPr>
+      </p:pic>
+    </p:spTree>
+    <p:extLst>
+      <p:ext uri="{BB962C8B-B14F-4D97-AF65-F5344CB8AC3E}">
+        <p14:creationId xmlns:p14="http://schemas.microsoft.com/office/powerpoint/2010/main" val="2254425681"/>
+      </p:ext>
+    </p:extLst>
+  </p:cSld>
+  <p:clrMapOvr>
+    <a:masterClrMapping/>
+  </p:clrMapOvr>
+</p:sld>
+</file>
+
+<file path=ppt/slides/slide6.xml><?xml version="1.0" encoding="utf-8"?>
 <p:sld xmlns:a="http://schemas.openxmlformats.org/drawingml/2006/main" xmlns:r="http://schemas.openxmlformats.org/officeDocument/2006/relationships" xmlns:p="http://schemas.openxmlformats.org/presentationml/2006/main">
   <p:cSld>
     <p:spTree>
@@ -3444,7 +4495,7 @@
         </p:blipFill>
         <p:spPr>
           <a:xfrm>
-            <a:off x="588399" y="579495"/>
+            <a:off x="405519" y="579495"/>
             <a:ext cx="11015202" cy="5699009"/>
           </a:xfrm>
           <a:prstGeom prst="rect">
@@ -3465,66 +4516,7 @@
 </p:sld>
 </file>
 
-<file path=ppt/slides/slide4.xml><?xml version="1.0" encoding="utf-8"?>
-<p:sld xmlns:a="http://schemas.openxmlformats.org/drawingml/2006/main" xmlns:r="http://schemas.openxmlformats.org/officeDocument/2006/relationships" xmlns:p="http://schemas.openxmlformats.org/presentationml/2006/main">
-  <p:cSld>
-    <p:spTree>
-      <p:nvGrpSpPr>
-        <p:cNvPr id="1" name=""/>
-        <p:cNvGrpSpPr/>
-        <p:nvPr/>
-      </p:nvGrpSpPr>
-      <p:grpSpPr>
-        <a:xfrm>
-          <a:off x="0" y="0"/>
-          <a:ext cx="0" cy="0"/>
-          <a:chOff x="0" y="0"/>
-          <a:chExt cx="0" cy="0"/>
-        </a:xfrm>
-      </p:grpSpPr>
-      <p:pic>
-        <p:nvPicPr>
-          <p:cNvPr id="2" name="图片 1">
-            <a:extLst>
-              <a:ext uri="{FF2B5EF4-FFF2-40B4-BE49-F238E27FC236}">
-                <a16:creationId xmlns:a16="http://schemas.microsoft.com/office/drawing/2014/main" id="{54347E23-F7CC-4EB1-8473-A75BD75D41A2}"/>
-              </a:ext>
-            </a:extLst>
-          </p:cNvPr>
-          <p:cNvPicPr>
-            <a:picLocks noChangeAspect="1"/>
-          </p:cNvPicPr>
-          <p:nvPr/>
-        </p:nvPicPr>
-        <p:blipFill rotWithShape="1">
-          <a:blip r:embed="rId2"/>
-          <a:srcRect l="5588" t="6804" r="-5588" b="-6804"/>
-          <a:stretch/>
-        </p:blipFill>
-        <p:spPr>
-          <a:xfrm>
-            <a:off x="2368769" y="1212365"/>
-            <a:ext cx="7454461" cy="4433270"/>
-          </a:xfrm>
-          <a:prstGeom prst="rect">
-            <a:avLst/>
-          </a:prstGeom>
-        </p:spPr>
-      </p:pic>
-    </p:spTree>
-    <p:extLst>
-      <p:ext uri="{BB962C8B-B14F-4D97-AF65-F5344CB8AC3E}">
-        <p14:creationId xmlns:p14="http://schemas.microsoft.com/office/powerpoint/2010/main" val="3578128677"/>
-      </p:ext>
-    </p:extLst>
-  </p:cSld>
-  <p:clrMapOvr>
-    <a:masterClrMapping/>
-  </p:clrMapOvr>
-</p:sld>
-</file>
-
-<file path=ppt/slides/slide5.xml><?xml version="1.0" encoding="utf-8"?>
+<file path=ppt/slides/slide7.xml><?xml version="1.0" encoding="utf-8"?>
 <p:sld xmlns:a="http://schemas.openxmlformats.org/drawingml/2006/main" xmlns:r="http://schemas.openxmlformats.org/officeDocument/2006/relationships" xmlns:p="http://schemas.openxmlformats.org/presentationml/2006/main">
   <p:cSld>
     <p:spTree>
@@ -3589,7 +4581,7 @@
 </p:sld>
 </file>
 
-<file path=ppt/slides/slide6.xml><?xml version="1.0" encoding="utf-8"?>
+<file path=ppt/slides/slide8.xml><?xml version="1.0" encoding="utf-8"?>
 <p:sld xmlns:a="http://schemas.openxmlformats.org/drawingml/2006/main" xmlns:r="http://schemas.openxmlformats.org/officeDocument/2006/relationships" xmlns:p="http://schemas.openxmlformats.org/presentationml/2006/main">
   <p:cSld>
     <p:spTree>
@@ -3606,10 +4598,159 @@
           <a:chExt cx="0" cy="0"/>
         </a:xfrm>
       </p:grpSpPr>
+      <p:pic>
+        <p:nvPicPr>
+          <p:cNvPr id="5" name="图片 4">
+            <a:extLst>
+              <a:ext uri="{FF2B5EF4-FFF2-40B4-BE49-F238E27FC236}">
+                <a16:creationId xmlns:a16="http://schemas.microsoft.com/office/drawing/2014/main" id="{77A4A430-D8DE-4CA3-A02A-F4127EC3CB90}"/>
+              </a:ext>
+            </a:extLst>
+          </p:cNvPr>
+          <p:cNvPicPr>
+            <a:picLocks noChangeAspect="1"/>
+          </p:cNvPicPr>
+          <p:nvPr/>
+        </p:nvPicPr>
+        <p:blipFill>
+          <a:blip r:embed="rId2"/>
+          <a:stretch>
+            <a:fillRect/>
+          </a:stretch>
+        </p:blipFill>
+        <p:spPr>
+          <a:xfrm>
+            <a:off x="1533525" y="138112"/>
+            <a:ext cx="9124950" cy="6581775"/>
+          </a:xfrm>
+          <a:prstGeom prst="rect">
+            <a:avLst/>
+          </a:prstGeom>
+        </p:spPr>
+      </p:pic>
     </p:spTree>
     <p:extLst>
       <p:ext uri="{BB962C8B-B14F-4D97-AF65-F5344CB8AC3E}">
-        <p14:creationId xmlns:p14="http://schemas.microsoft.com/office/powerpoint/2010/main" val="2254425681"/>
+        <p14:creationId xmlns:p14="http://schemas.microsoft.com/office/powerpoint/2010/main" val="1809034412"/>
+      </p:ext>
+    </p:extLst>
+  </p:cSld>
+  <p:clrMapOvr>
+    <a:masterClrMapping/>
+  </p:clrMapOvr>
+</p:sld>
+</file>
+
+<file path=ppt/slides/slide9.xml><?xml version="1.0" encoding="utf-8"?>
+<p:sld xmlns:a="http://schemas.openxmlformats.org/drawingml/2006/main" xmlns:r="http://schemas.openxmlformats.org/officeDocument/2006/relationships" xmlns:p="http://schemas.openxmlformats.org/presentationml/2006/main">
+  <p:cSld>
+    <p:spTree>
+      <p:nvGrpSpPr>
+        <p:cNvPr id="1" name=""/>
+        <p:cNvGrpSpPr/>
+        <p:nvPr/>
+      </p:nvGrpSpPr>
+      <p:grpSpPr>
+        <a:xfrm>
+          <a:off x="0" y="0"/>
+          <a:ext cx="0" cy="0"/>
+          <a:chOff x="0" y="0"/>
+          <a:chExt cx="0" cy="0"/>
+        </a:xfrm>
+      </p:grpSpPr>
+      <p:pic>
+        <p:nvPicPr>
+          <p:cNvPr id="3" name="图片 2">
+            <a:extLst>
+              <a:ext uri="{FF2B5EF4-FFF2-40B4-BE49-F238E27FC236}">
+                <a16:creationId xmlns:a16="http://schemas.microsoft.com/office/drawing/2014/main" id="{43CE0998-FB83-4A50-9ACF-2B998432C207}"/>
+              </a:ext>
+            </a:extLst>
+          </p:cNvPr>
+          <p:cNvPicPr>
+            <a:picLocks noChangeAspect="1"/>
+          </p:cNvPicPr>
+          <p:nvPr/>
+        </p:nvPicPr>
+        <p:blipFill>
+          <a:blip r:embed="rId2"/>
+          <a:stretch>
+            <a:fillRect/>
+          </a:stretch>
+        </p:blipFill>
+        <p:spPr>
+          <a:xfrm>
+            <a:off x="1633220" y="1400572"/>
+            <a:ext cx="8925560" cy="5004640"/>
+          </a:xfrm>
+          <a:prstGeom prst="rect">
+            <a:avLst/>
+          </a:prstGeom>
+        </p:spPr>
+      </p:pic>
+      <p:sp>
+        <p:nvSpPr>
+          <p:cNvPr id="7" name="文本框 6">
+            <a:extLst>
+              <a:ext uri="{FF2B5EF4-FFF2-40B4-BE49-F238E27FC236}">
+                <a16:creationId xmlns:a16="http://schemas.microsoft.com/office/drawing/2014/main" id="{9F597A54-EE10-452B-9E93-3697249E0719}"/>
+              </a:ext>
+            </a:extLst>
+          </p:cNvPr>
+          <p:cNvSpPr txBox="1"/>
+          <p:nvPr/>
+        </p:nvSpPr>
+        <p:spPr>
+          <a:xfrm>
+            <a:off x="518160" y="563880"/>
+            <a:ext cx="11003280" cy="523220"/>
+          </a:xfrm>
+          <a:prstGeom prst="rect">
+            <a:avLst/>
+          </a:prstGeom>
+          <a:noFill/>
+        </p:spPr>
+        <p:txBody>
+          <a:bodyPr wrap="square" rtlCol="0">
+            <a:spAutoFit/>
+          </a:bodyPr>
+          <a:lstStyle/>
+          <a:p>
+            <a:r>
+              <a:rPr lang="zh-CN" altLang="en-US" sz="2800" dirty="0"/>
+              <a:t>下一步的计划：使用</a:t>
+            </a:r>
+            <a:r>
+              <a:rPr lang="en-US" altLang="zh-CN" sz="2800" dirty="0" err="1"/>
+              <a:t>bakta</a:t>
+            </a:r>
+            <a:r>
+              <a:rPr lang="zh-CN" altLang="en-US" sz="2800" dirty="0"/>
+              <a:t>对</a:t>
+            </a:r>
+            <a:r>
+              <a:rPr lang="en-US" altLang="zh-CN" sz="2800" dirty="0"/>
+              <a:t>MAGs</a:t>
+            </a:r>
+            <a:r>
+              <a:rPr lang="zh-CN" altLang="en-US" sz="2800" dirty="0"/>
+              <a:t>和</a:t>
+            </a:r>
+            <a:r>
+              <a:rPr lang="en-US" altLang="zh-CN" sz="2800" dirty="0" err="1"/>
+              <a:t>sv</a:t>
+            </a:r>
+            <a:r>
+              <a:rPr lang="zh-CN" altLang="en-US" sz="2800" dirty="0"/>
+              <a:t>的功能注释（程序还在跑）</a:t>
+            </a:r>
+          </a:p>
+        </p:txBody>
+      </p:sp>
+    </p:spTree>
+    <p:extLst>
+      <p:ext uri="{BB962C8B-B14F-4D97-AF65-F5344CB8AC3E}">
+        <p14:creationId xmlns:p14="http://schemas.microsoft.com/office/powerpoint/2010/main" val="2324523401"/>
       </p:ext>
     </p:extLst>
   </p:cSld>
